--- a/IETF-102-PCE-Path-Segment-in-PCEP.pptx
+++ b/IETF-102-PCE-Path-Segment-in-PCEP.pptx
@@ -215,7 +215,7 @@
           <a:p>
             <a:fld id="{D09122F2-7138-43B9-899C-1CAC2F32522E}" type="datetimeFigureOut">
               <a:rPr lang="en-US" smtClean="0"/>
-              <a:t>7/10/2018</a:t>
+              <a:t>7/12/2018</a:t>
             </a:fld>
             <a:endParaRPr lang="en-US"/>
           </a:p>
@@ -2176,7 +2176,7 @@
           <a:p>
             <a:fld id="{821FD1C1-C2E1-4D2D-8C3D-6FABB0EC5C15}" type="datetimeFigureOut">
               <a:rPr lang="en-US" smtClean="0"/>
-              <a:t>7/9/2018</a:t>
+              <a:t>7/12/2018</a:t>
             </a:fld>
             <a:endParaRPr lang="en-US"/>
           </a:p>
@@ -2346,7 +2346,7 @@
           <a:p>
             <a:fld id="{821FD1C1-C2E1-4D2D-8C3D-6FABB0EC5C15}" type="datetimeFigureOut">
               <a:rPr lang="en-US" smtClean="0"/>
-              <a:t>7/9/2018</a:t>
+              <a:t>7/12/2018</a:t>
             </a:fld>
             <a:endParaRPr lang="en-US"/>
           </a:p>
@@ -2526,7 +2526,7 @@
           <a:p>
             <a:fld id="{821FD1C1-C2E1-4D2D-8C3D-6FABB0EC5C15}" type="datetimeFigureOut">
               <a:rPr lang="en-US" smtClean="0"/>
-              <a:t>7/9/2018</a:t>
+              <a:t>7/12/2018</a:t>
             </a:fld>
             <a:endParaRPr lang="en-US"/>
           </a:p>
@@ -2696,7 +2696,7 @@
           <a:p>
             <a:fld id="{821FD1C1-C2E1-4D2D-8C3D-6FABB0EC5C15}" type="datetimeFigureOut">
               <a:rPr lang="en-US" smtClean="0"/>
-              <a:t>7/9/2018</a:t>
+              <a:t>7/12/2018</a:t>
             </a:fld>
             <a:endParaRPr lang="en-US"/>
           </a:p>
@@ -2942,7 +2942,7 @@
           <a:p>
             <a:fld id="{821FD1C1-C2E1-4D2D-8C3D-6FABB0EC5C15}" type="datetimeFigureOut">
               <a:rPr lang="en-US" smtClean="0"/>
-              <a:t>7/9/2018</a:t>
+              <a:t>7/12/2018</a:t>
             </a:fld>
             <a:endParaRPr lang="en-US"/>
           </a:p>
@@ -3174,7 +3174,7 @@
           <a:p>
             <a:fld id="{821FD1C1-C2E1-4D2D-8C3D-6FABB0EC5C15}" type="datetimeFigureOut">
               <a:rPr lang="en-US" smtClean="0"/>
-              <a:t>7/9/2018</a:t>
+              <a:t>7/12/2018</a:t>
             </a:fld>
             <a:endParaRPr lang="en-US"/>
           </a:p>
@@ -3541,7 +3541,7 @@
           <a:p>
             <a:fld id="{821FD1C1-C2E1-4D2D-8C3D-6FABB0EC5C15}" type="datetimeFigureOut">
               <a:rPr lang="en-US" smtClean="0"/>
-              <a:t>7/9/2018</a:t>
+              <a:t>7/12/2018</a:t>
             </a:fld>
             <a:endParaRPr lang="en-US"/>
           </a:p>
@@ -3659,7 +3659,7 @@
           <a:p>
             <a:fld id="{821FD1C1-C2E1-4D2D-8C3D-6FABB0EC5C15}" type="datetimeFigureOut">
               <a:rPr lang="en-US" smtClean="0"/>
-              <a:t>7/9/2018</a:t>
+              <a:t>7/12/2018</a:t>
             </a:fld>
             <a:endParaRPr lang="en-US"/>
           </a:p>
@@ -3754,7 +3754,7 @@
           <a:p>
             <a:fld id="{821FD1C1-C2E1-4D2D-8C3D-6FABB0EC5C15}" type="datetimeFigureOut">
               <a:rPr lang="en-US" smtClean="0"/>
-              <a:t>7/9/2018</a:t>
+              <a:t>7/12/2018</a:t>
             </a:fld>
             <a:endParaRPr lang="en-US"/>
           </a:p>
@@ -4031,7 +4031,7 @@
           <a:p>
             <a:fld id="{821FD1C1-C2E1-4D2D-8C3D-6FABB0EC5C15}" type="datetimeFigureOut">
               <a:rPr lang="en-US" smtClean="0"/>
-              <a:t>7/9/2018</a:t>
+              <a:t>7/12/2018</a:t>
             </a:fld>
             <a:endParaRPr lang="en-US"/>
           </a:p>
@@ -4284,7 +4284,7 @@
           <a:p>
             <a:fld id="{821FD1C1-C2E1-4D2D-8C3D-6FABB0EC5C15}" type="datetimeFigureOut">
               <a:rPr lang="en-US" smtClean="0"/>
-              <a:t>7/9/2018</a:t>
+              <a:t>7/12/2018</a:t>
             </a:fld>
             <a:endParaRPr lang="en-US"/>
           </a:p>
@@ -4497,7 +4497,7 @@
           <a:p>
             <a:fld id="{821FD1C1-C2E1-4D2D-8C3D-6FABB0EC5C15}" type="datetimeFigureOut">
               <a:rPr lang="en-US" smtClean="0"/>
-              <a:t>7/9/2018</a:t>
+              <a:t>7/12/2018</a:t>
             </a:fld>
             <a:endParaRPr lang="en-US"/>
           </a:p>
@@ -5001,11 +5001,6 @@
               </a:rPr>
               <a:t>draft-li-pce-sr-bidir-path-00</a:t>
             </a:r>
-            <a:endParaRPr lang="en-US" sz="2400" dirty="0">
-              <a:solidFill>
-                <a:srgbClr val="C00000"/>
-              </a:solidFill>
-            </a:endParaRPr>
           </a:p>
         </p:txBody>
       </p:sp>
@@ -5033,11 +5028,7 @@
           <a:p>
             <a:r>
               <a:rPr lang="en-US" sz="1800" dirty="0" smtClean="0"/>
-              <a:t>Cheng Li/Mach </a:t>
-            </a:r>
-            <a:r>
-              <a:rPr lang="en-US" sz="1800" dirty="0" smtClean="0"/>
-              <a:t>Chen/</a:t>
+              <a:t>Cheng Li/Mach Chen/</a:t>
             </a:r>
             <a:r>
               <a:rPr lang="en-US" sz="1800" dirty="0" err="1" smtClean="0"/>
@@ -5547,11 +5538,6 @@
               </a:rPr>
               <a:t>Capabilities Advertisement</a:t>
             </a:r>
-            <a:endParaRPr lang="en-US" sz="4000" dirty="0" smtClean="0">
-              <a:solidFill>
-                <a:srgbClr val="C00000"/>
-              </a:solidFill>
-            </a:endParaRPr>
           </a:p>
         </p:txBody>
       </p:sp>
@@ -5996,11 +5982,6 @@
               </a:rPr>
               <a:t>P-flag in LSP Object</a:t>
             </a:r>
-            <a:endParaRPr lang="en-US" sz="4000" dirty="0" smtClean="0">
-              <a:solidFill>
-                <a:srgbClr val="C00000"/>
-              </a:solidFill>
-            </a:endParaRPr>
           </a:p>
         </p:txBody>
       </p:sp>
@@ -6027,82 +6008,82 @@
           <a:lstStyle/>
           <a:p>
             <a:r>
-              <a:rPr lang="en-US" altLang="zh-CN" sz="2400" dirty="0" smtClean="0"/>
-              <a:t>P-flag: Indicating path ID allocation requirement and path ID allocation reply</a:t>
-            </a:r>
-            <a:endParaRPr lang="en-US" altLang="zh-CN" sz="2400" dirty="0" smtClean="0"/>
+              <a:rPr lang="en-US" altLang="zh-CN" dirty="0" smtClean="0"/>
+              <a:t>P-flag: Indicating path ID </a:t>
+            </a:r>
+            <a:r>
+              <a:rPr lang="en-US" altLang="zh-CN" dirty="0" smtClean="0"/>
+              <a:t>needs to be allocated by PCE for this LSP</a:t>
+            </a:r>
+            <a:endParaRPr lang="en-US" altLang="zh-CN" dirty="0" smtClean="0"/>
           </a:p>
           <a:p>
             <a:pPr lvl="1"/>
             <a:r>
-              <a:rPr lang="en-US" altLang="zh-CN" sz="1800" dirty="0" smtClean="0"/>
+              <a:rPr lang="en-US" altLang="zh-CN" sz="2000" dirty="0" smtClean="0"/>
               <a:t>LSP.P-flag:  MUST be set in </a:t>
             </a:r>
             <a:r>
-              <a:rPr lang="en-US" altLang="zh-CN" sz="1800" dirty="0" err="1" smtClean="0"/>
+              <a:rPr lang="en-US" altLang="zh-CN" sz="2000" dirty="0" err="1" smtClean="0"/>
               <a:t>PCReq</a:t>
             </a:r>
             <a:r>
-              <a:rPr lang="en-US" altLang="zh-CN" sz="1800" dirty="0" smtClean="0"/>
+              <a:rPr lang="en-US" altLang="zh-CN" sz="2000" dirty="0" smtClean="0"/>
               <a:t>/</a:t>
             </a:r>
             <a:r>
-              <a:rPr lang="en-US" altLang="zh-CN" sz="1800" dirty="0" err="1" smtClean="0"/>
+              <a:rPr lang="en-US" altLang="zh-CN" sz="2000" dirty="0" err="1" smtClean="0"/>
               <a:t>PCRpt</a:t>
             </a:r>
             <a:r>
-              <a:rPr lang="en-US" altLang="zh-CN" sz="1800" dirty="0" smtClean="0"/>
+              <a:rPr lang="en-US" altLang="zh-CN" sz="2000" dirty="0" smtClean="0"/>
               <a:t> </a:t>
             </a:r>
             <a:r>
-              <a:rPr lang="en-US" altLang="zh-CN" sz="1800" dirty="0" err="1" smtClean="0"/>
+              <a:rPr lang="en-US" altLang="zh-CN" sz="2000" dirty="0" err="1" smtClean="0"/>
               <a:t>msg</a:t>
             </a:r>
             <a:r>
-              <a:rPr lang="en-US" altLang="zh-CN" sz="1800" dirty="0" smtClean="0"/>
+              <a:rPr lang="en-US" altLang="zh-CN" sz="2000" dirty="0" smtClean="0"/>
               <a:t>, when PCC requires the path ID allocation.</a:t>
             </a:r>
             <a:r>
-              <a:rPr lang="zh-CN" altLang="en-US" sz="1800" dirty="0" smtClean="0"/>
+              <a:rPr lang="zh-CN" altLang="en-US" sz="2000" dirty="0" smtClean="0"/>
               <a:t> </a:t>
             </a:r>
-            <a:endParaRPr lang="en-US" altLang="zh-CN" sz="1800" dirty="0" smtClean="0"/>
+            <a:endParaRPr lang="en-US" altLang="zh-CN" sz="2000" dirty="0" smtClean="0"/>
           </a:p>
           <a:p>
             <a:pPr lvl="1"/>
             <a:r>
-              <a:rPr lang="en-US" altLang="zh-CN" sz="1800" dirty="0" smtClean="0"/>
+              <a:rPr lang="en-US" altLang="zh-CN" sz="2000" dirty="0" smtClean="0"/>
               <a:t>LSP.P-flag:  MUST be set in </a:t>
             </a:r>
             <a:r>
-              <a:rPr lang="en-US" altLang="zh-CN" sz="1800" dirty="0" err="1" smtClean="0"/>
-              <a:t>P</a:t>
-            </a:r>
-            <a:r>
-              <a:rPr lang="en-US" altLang="zh-CN" sz="1800" dirty="0" err="1" smtClean="0"/>
-              <a:t>CRep</a:t>
-            </a:r>
-            <a:r>
-              <a:rPr lang="en-US" altLang="zh-CN" sz="1800" dirty="0" smtClean="0"/>
+              <a:rPr lang="en-US" altLang="zh-CN" sz="2000" dirty="0" err="1" smtClean="0"/>
+              <a:t>PCRep</a:t>
+            </a:r>
+            <a:r>
+              <a:rPr lang="en-US" altLang="zh-CN" sz="2000" dirty="0" smtClean="0"/>
               <a:t>/</a:t>
             </a:r>
             <a:r>
-              <a:rPr lang="en-US" altLang="zh-CN" sz="1800" dirty="0" err="1" smtClean="0"/>
-              <a:t>PCUpdate</a:t>
-            </a:r>
-            <a:r>
-              <a:rPr lang="en-US" altLang="zh-CN" sz="1800" dirty="0" smtClean="0"/>
+              <a:rPr lang="en-US" altLang="zh-CN" sz="2000" dirty="0" err="1" smtClean="0"/>
+              <a:t>PCUpd</a:t>
+            </a:r>
+            <a:r>
+              <a:rPr lang="en-US" altLang="zh-CN" sz="2000" dirty="0" smtClean="0"/>
               <a:t>/</a:t>
             </a:r>
             <a:r>
-              <a:rPr lang="en-US" altLang="zh-CN" sz="1800" dirty="0" err="1" smtClean="0"/>
+              <a:rPr lang="en-US" altLang="zh-CN" sz="2000" dirty="0" err="1" smtClean="0"/>
               <a:t>PCInitiate</a:t>
             </a:r>
             <a:r>
-              <a:rPr lang="en-US" altLang="zh-CN" sz="1800" dirty="0" smtClean="0"/>
+              <a:rPr lang="en-US" altLang="zh-CN" sz="2000" dirty="0" smtClean="0"/>
               <a:t>, when PCE reply the path ID allocation requirement.</a:t>
             </a:r>
-            <a:endParaRPr lang="en-US" sz="2000" dirty="0"/>
+            <a:endParaRPr lang="en-US" dirty="0"/>
           </a:p>
         </p:txBody>
       </p:sp>
@@ -6197,11 +6178,6 @@
               </a:rPr>
               <a:t>Path ID TLV in LSP Object</a:t>
             </a:r>
-            <a:endParaRPr lang="en-US" sz="4000" dirty="0" smtClean="0">
-              <a:solidFill>
-                <a:srgbClr val="C00000"/>
-              </a:solidFill>
-            </a:endParaRPr>
           </a:p>
         </p:txBody>
       </p:sp>
@@ -6726,11 +6702,6 @@
               </a:rPr>
               <a:t>Inform the Egress PCC: Path FEC Object &amp; CCI</a:t>
             </a:r>
-            <a:endParaRPr lang="en-US" sz="4000" dirty="0" smtClean="0">
-              <a:solidFill>
-                <a:srgbClr val="C00000"/>
-              </a:solidFill>
-            </a:endParaRPr>
           </a:p>
         </p:txBody>
       </p:sp>
@@ -7035,35 +7006,15 @@
           <a:p>
             <a:r>
               <a:rPr lang="en-US" altLang="en-US" sz="2000" dirty="0"/>
-              <a:t>The </a:t>
+              <a:t>The Path ID information is encoded directly in the </a:t>
+            </a:r>
+            <a:r>
+              <a:rPr lang="en-US" sz="2000" dirty="0"/>
+              <a:t>Central Control Instructions(</a:t>
             </a:r>
             <a:r>
               <a:rPr lang="en-US" altLang="en-US" sz="2000" dirty="0"/>
-              <a:t>Path ID information is encoded directly in </a:t>
-            </a:r>
-            <a:r>
-              <a:rPr lang="en-US" altLang="en-US" sz="2000" dirty="0"/>
-              <a:t>the </a:t>
-            </a:r>
-            <a:r>
-              <a:rPr lang="en-US" sz="2000" dirty="0"/>
-              <a:t>Central Control </a:t>
-            </a:r>
-            <a:r>
-              <a:rPr lang="en-US" sz="2000" dirty="0"/>
-              <a:t>Instructions(</a:t>
-            </a:r>
-            <a:r>
-              <a:rPr lang="en-US" altLang="en-US" sz="2000" dirty="0"/>
-              <a:t>CCI) </a:t>
-            </a:r>
-            <a:r>
-              <a:rPr lang="en-US" altLang="en-US" sz="2000" dirty="0"/>
-              <a:t>SR </a:t>
-            </a:r>
-            <a:r>
-              <a:rPr lang="en-US" altLang="en-US" sz="2000" dirty="0"/>
-              <a:t>object. The Path ID TLV </a:t>
+              <a:t>CCI) SR object. The Path ID TLV </a:t>
             </a:r>
             <a:r>
               <a:rPr lang="en-US" altLang="en-US" sz="2000" dirty="0" smtClean="0"/>
@@ -7551,21 +7502,8 @@
                   <a:srgbClr val="C00000"/>
                 </a:solidFill>
               </a:rPr>
-              <a:t>Example: </a:t>
-            </a:r>
-            <a:r>
-              <a:rPr lang="en-US" sz="4000" dirty="0" smtClean="0">
-                <a:solidFill>
-                  <a:srgbClr val="C00000"/>
-                </a:solidFill>
-              </a:rPr>
-              <a:t>PCE allocated Path ID on its own</a:t>
-            </a:r>
-            <a:endParaRPr lang="en-US" sz="4000" dirty="0" smtClean="0">
-              <a:solidFill>
-                <a:srgbClr val="C00000"/>
-              </a:solidFill>
-            </a:endParaRPr>
+              <a:t>Example: PCE allocated Path ID on its own</a:t>
+            </a:r>
           </a:p>
         </p:txBody>
       </p:sp>
@@ -7780,7 +7718,15 @@
             <a:pPr lvl="1"/>
             <a:r>
               <a:rPr lang="en-US" sz="1800" dirty="0" smtClean="0"/>
-              <a:t>The paths belonging to this association is conveyed via PCEP messages to the PCEP peer.</a:t>
+              <a:t>The </a:t>
+            </a:r>
+            <a:r>
+              <a:rPr lang="en-US" sz="1800" dirty="0" smtClean="0"/>
+              <a:t>SR paths </a:t>
+            </a:r>
+            <a:r>
+              <a:rPr lang="en-US" sz="1800" dirty="0" smtClean="0"/>
+              <a:t>belonging to this association is conveyed via PCEP messages to the PCEP peer.</a:t>
             </a:r>
           </a:p>
           <a:p>
@@ -7808,7 +7754,23 @@
             <a:pPr lvl="1"/>
             <a:r>
               <a:rPr lang="en-US" sz="1800" dirty="0"/>
-              <a:t>The handling rules are set in the same way as [</a:t>
+              <a:t>The </a:t>
+            </a:r>
+            <a:r>
+              <a:rPr lang="en-US" sz="1800" dirty="0" smtClean="0"/>
+              <a:t>TLVs, handling rules, error conditions </a:t>
+            </a:r>
+            <a:r>
+              <a:rPr lang="en-US" sz="1800" dirty="0"/>
+              <a:t>are </a:t>
+            </a:r>
+            <a:r>
+              <a:rPr lang="en-US" sz="1800" dirty="0" smtClean="0"/>
+              <a:t>same </a:t>
+            </a:r>
+            <a:r>
+              <a:rPr lang="en-US" sz="1800" dirty="0"/>
+              <a:t>as [</a:t>
             </a:r>
             <a:r>
               <a:rPr lang="en-US" sz="1800" dirty="0">
@@ -7980,23 +7942,7 @@
                   <a:srgbClr val="C00000"/>
                 </a:solidFill>
               </a:rPr>
-              <a:t>Example: </a:t>
-            </a:r>
-            <a:r>
-              <a:rPr lang="en-US" sz="4000" dirty="0" smtClean="0">
-                <a:solidFill>
-                  <a:srgbClr val="C00000"/>
-                </a:solidFill>
-              </a:rPr>
-              <a:t>PCE-</a:t>
-            </a:r>
-            <a:r>
-              <a:rPr lang="en-US" sz="4000" dirty="0" smtClean="0">
-                <a:solidFill>
-                  <a:srgbClr val="C00000"/>
-                </a:solidFill>
-              </a:rPr>
-              <a:t>Initiated </a:t>
+              <a:t>Example: PCE-Initiated </a:t>
             </a:r>
             <a:r>
               <a:rPr lang="en-US" sz="4000" dirty="0" err="1" smtClean="0">
@@ -8168,6 +8114,16 @@
             </a:r>
           </a:p>
           <a:p>
+            <a:pPr marL="0" indent="0">
+              <a:buNone/>
+            </a:pPr>
+            <a:endParaRPr lang="en-US" sz="1800" dirty="0"/>
+          </a:p>
+          <a:p>
+            <a:r>
+              <a:rPr lang="en-US" sz="1800" dirty="0" smtClean="0"/>
+              <a:t>Similarly PCC initiated SR Paths are delegated to the PCE which would update with the other direction SR path and the association group information!  </a:t>
+            </a:r>
             <a:endParaRPr lang="en-US" sz="1800" dirty="0"/>
           </a:p>
         </p:txBody>
@@ -8413,25 +8369,32 @@
           <a:p>
             <a:r>
               <a:rPr lang="en-US" sz="2400" dirty="0" smtClean="0"/>
-              <a:t>Use </a:t>
+              <a:t>Use cases like end-2-end 1+1 path protection, bidirectional </a:t>
             </a:r>
             <a:r>
               <a:rPr lang="en-US" sz="2400" dirty="0" smtClean="0"/>
-              <a:t>cases like end-2-end 1+1 path protection, bidirectional path correlation or performance </a:t>
+              <a:t>path </a:t>
             </a:r>
             <a:r>
               <a:rPr lang="en-US" sz="2400" dirty="0" smtClean="0"/>
-              <a:t>measurement(PM) require the </a:t>
+              <a:t>correlation or performance </a:t>
             </a:r>
             <a:r>
               <a:rPr lang="en-US" sz="2400" dirty="0" smtClean="0"/>
-              <a:t>ability to implement path identification </a:t>
+              <a:t>measurement (</a:t>
+            </a:r>
+            <a:r>
+              <a:rPr lang="en-US" sz="2400" dirty="0" smtClean="0"/>
+              <a:t>PM) require the ability to implement </a:t>
+            </a:r>
+            <a:r>
+              <a:rPr lang="en-US" sz="2400" dirty="0" smtClean="0"/>
+              <a:t>“path identification” </a:t>
             </a:r>
             <a:r>
               <a:rPr lang="en-US" sz="2400" dirty="0" smtClean="0"/>
               <a:t>in SR networks:</a:t>
             </a:r>
-            <a:endParaRPr lang="en-US" sz="2400" dirty="0" smtClean="0"/>
           </a:p>
           <a:p>
             <a:pPr lvl="1"/>
@@ -8443,7 +8406,7 @@
                   </a:schemeClr>
                 </a:solidFill>
               </a:rPr>
-              <a:t>draft-</a:t>
+              <a:t>[draft-</a:t>
             </a:r>
             <a:r>
               <a:rPr lang="en-US" sz="2000" dirty="0" err="1" smtClean="0">
@@ -8483,7 +8446,7 @@
                   </a:schemeClr>
                 </a:solidFill>
               </a:rPr>
-              <a:t>-path-segment</a:t>
+              <a:t>-path-segment]</a:t>
             </a:r>
             <a:r>
               <a:rPr lang="en-US" sz="2000" dirty="0" smtClean="0"/>
@@ -8491,15 +8454,7 @@
             </a:r>
             <a:r>
               <a:rPr lang="en-US" sz="2000" dirty="0" smtClean="0"/>
-              <a:t>introduces a new segment to </a:t>
-            </a:r>
-            <a:r>
-              <a:rPr lang="en-US" sz="2000" dirty="0" smtClean="0"/>
-              <a:t>uniquely </a:t>
-            </a:r>
-            <a:r>
-              <a:rPr lang="en-US" sz="2000" dirty="0" smtClean="0"/>
-              <a:t>identify an SR path in a specific context that is referred to as Path Segment.</a:t>
+              <a:t>introduces a new segment to uniquely identify an SR path in a specific context that is referred to as Path Segment.</a:t>
             </a:r>
           </a:p>
           <a:p>
@@ -8512,7 +8467,7 @@
                   </a:schemeClr>
                 </a:solidFill>
               </a:rPr>
-              <a:t>draft-li-spring-passive-pm-for-srv6-np </a:t>
+              <a:t>[draft-li-spring-passive-pm-for-srv6-np] </a:t>
             </a:r>
             <a:r>
               <a:rPr lang="en-US" sz="2000" dirty="0"/>
@@ -8520,23 +8475,7 @@
             </a:r>
             <a:r>
               <a:rPr lang="en-US" sz="2000" dirty="0" smtClean="0"/>
-              <a:t>a </a:t>
-            </a:r>
-            <a:r>
-              <a:rPr lang="en-US" sz="2000" dirty="0" smtClean="0"/>
-              <a:t>Path ID </a:t>
-            </a:r>
-            <a:r>
-              <a:rPr lang="en-US" sz="2000" dirty="0" smtClean="0"/>
-              <a:t>to identify </a:t>
-            </a:r>
-            <a:r>
-              <a:rPr lang="en-US" sz="2000" dirty="0" smtClean="0"/>
-              <a:t>an </a:t>
-            </a:r>
-            <a:r>
-              <a:rPr lang="en-US" sz="2000" dirty="0" smtClean="0"/>
-              <a:t>SRv6 path.</a:t>
+              <a:t>a Path ID to identify an SRv6 path.</a:t>
             </a:r>
           </a:p>
           <a:p>
@@ -8546,7 +8485,15 @@
           <a:p>
             <a:r>
               <a:rPr lang="en-US" sz="2400" dirty="0"/>
-              <a:t>For configuring or allocating path ID to an SR path, extensions in PCEP are needed</a:t>
+              <a:t>For configuring or allocating </a:t>
+            </a:r>
+            <a:r>
+              <a:rPr lang="en-US" sz="2400" dirty="0" smtClean="0"/>
+              <a:t>“path ID” </a:t>
+            </a:r>
+            <a:r>
+              <a:rPr lang="en-US" sz="2400" dirty="0"/>
+              <a:t>to an SR path, extensions in PCEP are needed</a:t>
             </a:r>
             <a:r>
               <a:rPr lang="en-US" sz="2400" dirty="0" smtClean="0"/>
@@ -8557,15 +8504,29 @@
             <a:pPr lvl="1"/>
             <a:r>
               <a:rPr lang="en-US" sz="2000" dirty="0" smtClean="0"/>
-              <a:t>PCE controlled ID Space distribution.</a:t>
-            </a:r>
+              <a:t>Path ID allocation</a:t>
+            </a:r>
+            <a:r>
+              <a:rPr lang="en-US" sz="2000" dirty="0"/>
+              <a:t> </a:t>
+            </a:r>
+            <a:r>
+              <a:rPr lang="en-US" sz="2000" dirty="0" smtClean="0"/>
+              <a:t>and conveying it within PCEP</a:t>
+            </a:r>
+            <a:endParaRPr lang="en-US" sz="2000" dirty="0" smtClean="0"/>
           </a:p>
           <a:p>
             <a:pPr lvl="1"/>
             <a:r>
+              <a:rPr lang="en-US" sz="2000" dirty="0"/>
+              <a:t>PCE controlled ID </a:t>
+            </a:r>
+            <a:r>
               <a:rPr lang="en-US" sz="2000" dirty="0" smtClean="0"/>
-              <a:t>Path Segment allocation.</a:t>
-            </a:r>
+              <a:t>Space, where PCC informs the PCE the ID space range from which it should make allocations</a:t>
+            </a:r>
+            <a:endParaRPr lang="en-US" sz="2000" dirty="0" smtClean="0"/>
           </a:p>
           <a:p>
             <a:pPr lvl="1"/>
@@ -8574,7 +8535,11 @@
           <a:p>
             <a:r>
               <a:rPr lang="en-US" sz="2400" dirty="0" smtClean="0"/>
-              <a:t>Bidirectional path correlation is required in some scenarios such as mobile backhaul transport network.</a:t>
+              <a:t>Bidirectional path correlation is required in some scenarios such as mobile backhaul transport </a:t>
+            </a:r>
+            <a:r>
+              <a:rPr lang="en-US" sz="2400" dirty="0" smtClean="0"/>
+              <a:t>network for segment routing.</a:t>
             </a:r>
             <a:r>
               <a:rPr lang="en-US" altLang="en-US" sz="2400" dirty="0" smtClean="0">
@@ -8584,12 +8549,25 @@
               </a:rPr>
               <a:t> </a:t>
             </a:r>
+            <a:endParaRPr lang="en-US" altLang="en-US" sz="2400" dirty="0" smtClean="0">
+              <a:solidFill>
+                <a:srgbClr val="000000"/>
+              </a:solidFill>
+            </a:endParaRPr>
           </a:p>
           <a:p>
             <a:pPr lvl="1"/>
             <a:r>
               <a:rPr lang="en-US" sz="2000" dirty="0"/>
-              <a:t>Bidirectional path correlation based on path Segment/ID.</a:t>
+              <a:t>Bidirectional path correlation based on path Segment</a:t>
+            </a:r>
+            <a:r>
+              <a:rPr lang="en-US" sz="2000" dirty="0" smtClean="0"/>
+              <a:t>/ path ID</a:t>
+            </a:r>
+            <a:r>
+              <a:rPr lang="en-US" sz="2000" dirty="0"/>
+              <a:t>.</a:t>
             </a:r>
           </a:p>
         </p:txBody>
@@ -8704,11 +8682,7 @@
             <a:pPr lvl="1"/>
             <a:r>
               <a:rPr lang="en-US" sz="2000" dirty="0" smtClean="0"/>
-              <a:t>specifies </a:t>
-            </a:r>
-            <a:r>
-              <a:rPr lang="en-US" sz="2000" dirty="0" smtClean="0"/>
-              <a:t>a mechanism for a PCC to inform the PCE of the identifier space under its control via PCEP.</a:t>
+              <a:t>specifies a mechanism for a PCC to inform the PCE of the identifier space under its control via PCEP.</a:t>
             </a:r>
           </a:p>
           <a:p>
@@ -8731,15 +8705,15 @@
             <a:pPr lvl="1"/>
             <a:r>
               <a:rPr lang="en-US" sz="2000" dirty="0" smtClean="0"/>
-              <a:t>specifies </a:t>
+              <a:t>specifies extensions to the PCEP to support path identifier </a:t>
             </a:r>
             <a:r>
               <a:rPr lang="en-US" sz="2000" dirty="0" smtClean="0"/>
-              <a:t>extensions to the PCEP to support path identifier between PCEP speakers</a:t>
+              <a:t>allocation between </a:t>
             </a:r>
             <a:r>
               <a:rPr lang="en-US" sz="2000" dirty="0" smtClean="0"/>
-              <a:t>.</a:t>
+              <a:t>PCEP speakers.</a:t>
             </a:r>
           </a:p>
           <a:p>
@@ -8870,119 +8844,183 @@
           <a:lstStyle/>
           <a:p>
             <a:r>
+              <a:rPr lang="en-US" altLang="en-US" sz="2000" dirty="0" smtClean="0">
+                <a:solidFill>
+                  <a:srgbClr val="000000"/>
+                </a:solidFill>
+                <a:hlinkClick r:id="rId2" tooltip="&quot;PCEP Procedures and Protocol Extensions for Using PCE as a Central Controller (PCECC) of LSPs&quot;"/>
+              </a:rPr>
+              <a:t>[I-</a:t>
+            </a:r>
+            <a:r>
+              <a:rPr lang="en-US" altLang="en-US" sz="2000" dirty="0" err="1" smtClean="0">
+                <a:solidFill>
+                  <a:srgbClr val="000000"/>
+                </a:solidFill>
+                <a:hlinkClick r:id="rId2" tooltip="&quot;PCEP Procedures and Protocol Extensions for Using PCE as a Central Controller (PCECC) of LSPs&quot;"/>
+              </a:rPr>
+              <a:t>D.zhao</a:t>
+            </a:r>
+            <a:r>
+              <a:rPr lang="en-US" altLang="en-US" sz="2000" dirty="0" smtClean="0">
+                <a:solidFill>
+                  <a:srgbClr val="000000"/>
+                </a:solidFill>
+                <a:hlinkClick r:id="rId2" tooltip="&quot;PCEP Procedures and Protocol Extensions for Using PCE as a Central Controller (PCECC) of LSPs&quot;"/>
+              </a:rPr>
+              <a:t>-</a:t>
+            </a:r>
+            <a:r>
+              <a:rPr lang="en-US" altLang="en-US" sz="2000" dirty="0" err="1" smtClean="0">
+                <a:solidFill>
+                  <a:srgbClr val="000000"/>
+                </a:solidFill>
+                <a:hlinkClick r:id="rId2" tooltip="&quot;PCEP Procedures and Protocol Extensions for Using PCE as a Central Controller (PCECC) of LSPs&quot;"/>
+              </a:rPr>
+              <a:t>pce</a:t>
+            </a:r>
+            <a:r>
+              <a:rPr lang="en-US" altLang="en-US" sz="2000" dirty="0" smtClean="0">
+                <a:solidFill>
+                  <a:srgbClr val="000000"/>
+                </a:solidFill>
+                <a:hlinkClick r:id="rId2" tooltip="&quot;PCEP Procedures and Protocol Extensions for Using PCE as a Central Controller (PCECC) of LSPs&quot;"/>
+              </a:rPr>
+              <a:t>-</a:t>
+            </a:r>
+            <a:r>
+              <a:rPr lang="en-US" altLang="en-US" sz="2000" dirty="0" err="1" smtClean="0">
+                <a:solidFill>
+                  <a:srgbClr val="000000"/>
+                </a:solidFill>
+                <a:hlinkClick r:id="rId2" tooltip="&quot;PCEP Procedures and Protocol Extensions for Using PCE as a Central Controller (PCECC) of LSPs&quot;"/>
+              </a:rPr>
+              <a:t>pcep</a:t>
+            </a:r>
+            <a:r>
+              <a:rPr lang="en-US" altLang="en-US" sz="2000" dirty="0" smtClean="0">
+                <a:solidFill>
+                  <a:srgbClr val="000000"/>
+                </a:solidFill>
+                <a:hlinkClick r:id="rId2" tooltip="&quot;PCEP Procedures and Protocol Extensions for Using PCE as a Central Controller (PCECC) of LSPs&quot;"/>
+              </a:rPr>
+              <a:t>-extension-for-</a:t>
+            </a:r>
+            <a:r>
+              <a:rPr lang="en-US" altLang="en-US" sz="2000" dirty="0" err="1" smtClean="0">
+                <a:solidFill>
+                  <a:srgbClr val="000000"/>
+                </a:solidFill>
+                <a:hlinkClick r:id="rId2" tooltip="&quot;PCEP Procedures and Protocol Extensions for Using PCE as a Central Controller (PCECC) of LSPs&quot;"/>
+              </a:rPr>
+              <a:t>pce</a:t>
+            </a:r>
+            <a:r>
+              <a:rPr lang="en-US" altLang="en-US" sz="2000" dirty="0" smtClean="0">
+                <a:solidFill>
+                  <a:srgbClr val="000000"/>
+                </a:solidFill>
+                <a:hlinkClick r:id="rId2" tooltip="&quot;PCEP Procedures and Protocol Extensions for Using PCE as a Central Controller (PCECC) of LSPs&quot;"/>
+              </a:rPr>
+              <a:t>-controller</a:t>
+            </a:r>
+            <a:r>
+              <a:rPr lang="en-US" altLang="en-US" sz="2000" dirty="0" smtClean="0">
+                <a:solidFill>
+                  <a:srgbClr val="000000"/>
+                </a:solidFill>
+              </a:rPr>
+              <a:t>]</a:t>
+            </a:r>
+            <a:r>
+              <a:rPr lang="en-US" altLang="en-US" sz="2000" dirty="0" smtClean="0"/>
+              <a:t>  </a:t>
+            </a:r>
+            <a:r>
               <a:rPr lang="en-US" altLang="en-US" sz="2000" dirty="0">
                 <a:solidFill>
                   <a:srgbClr val="000000"/>
                 </a:solidFill>
-                <a:hlinkClick r:id="rId2" tooltip="&quot;PCEP Procedures and Protocol Extensions for Using PCE as a Central Controller (PCECC) of LSPs&quot;"/>
-              </a:rPr>
-              <a:t>I-</a:t>
-            </a:r>
-            <a:r>
-              <a:rPr lang="en-US" altLang="en-US" sz="2000" dirty="0" err="1">
+              </a:rPr>
+              <a:t>specifies the procedures and PCEP protocol extensions for using the PCE as </a:t>
+            </a:r>
+            <a:r>
+              <a:rPr lang="en-US" altLang="en-US" sz="2000" dirty="0" smtClean="0">
                 <a:solidFill>
                   <a:srgbClr val="000000"/>
                 </a:solidFill>
-                <a:hlinkClick r:id="rId2" tooltip="&quot;PCEP Procedures and Protocol Extensions for Using PCE as a Central Controller (PCECC) of LSPs&quot;"/>
-              </a:rPr>
-              <a:t>D.zhao</a:t>
-            </a:r>
-            <a:r>
-              <a:rPr lang="en-US" altLang="en-US" sz="2000" dirty="0">
+              </a:rPr>
+              <a:t>a central </a:t>
+            </a:r>
+            <a:r>
+              <a:rPr lang="en-US" altLang="en-US" sz="2000" dirty="0" smtClean="0">
                 <a:solidFill>
                   <a:srgbClr val="000000"/>
                 </a:solidFill>
-                <a:hlinkClick r:id="rId2" tooltip="&quot;PCEP Procedures and Protocol Extensions for Using PCE as a Central Controller (PCECC) of LSPs&quot;"/>
-              </a:rPr>
-              <a:t>-</a:t>
-            </a:r>
-            <a:r>
-              <a:rPr lang="en-US" altLang="en-US" sz="2000" dirty="0" err="1">
+              </a:rPr>
+              <a:t>controller, where label forwarding entries </a:t>
+            </a:r>
+            <a:r>
+              <a:rPr lang="en-US" altLang="en-US" sz="2000" dirty="0" smtClean="0">
                 <a:solidFill>
                   <a:srgbClr val="000000"/>
                 </a:solidFill>
-                <a:hlinkClick r:id="rId2" tooltip="&quot;PCEP Procedures and Protocol Extensions for Using PCE as a Central Controller (PCECC) of LSPs&quot;"/>
-              </a:rPr>
-              <a:t>pce</a:t>
-            </a:r>
-            <a:r>
-              <a:rPr lang="en-US" altLang="en-US" sz="2000" dirty="0">
+              </a:rPr>
+              <a:t>(Central Controller’s Instructions (CCI)) are </a:t>
+            </a:r>
+            <a:r>
+              <a:rPr lang="en-US" altLang="en-US" sz="2000" dirty="0" smtClean="0">
                 <a:solidFill>
                   <a:srgbClr val="000000"/>
                 </a:solidFill>
-                <a:hlinkClick r:id="rId2" tooltip="&quot;PCEP Procedures and Protocol Extensions for Using PCE as a Central Controller (PCECC) of LSPs&quot;"/>
-              </a:rPr>
-              <a:t>-</a:t>
-            </a:r>
-            <a:r>
-              <a:rPr lang="en-US" altLang="en-US" sz="2000" dirty="0" err="1">
-                <a:solidFill>
-                  <a:srgbClr val="000000"/>
-                </a:solidFill>
-                <a:hlinkClick r:id="rId2" tooltip="&quot;PCEP Procedures and Protocol Extensions for Using PCE as a Central Controller (PCECC) of LSPs&quot;"/>
-              </a:rPr>
-              <a:t>pcep</a:t>
-            </a:r>
-            <a:r>
-              <a:rPr lang="en-US" altLang="en-US" sz="2000" dirty="0">
-                <a:solidFill>
-                  <a:srgbClr val="000000"/>
-                </a:solidFill>
-                <a:hlinkClick r:id="rId2" tooltip="&quot;PCEP Procedures and Protocol Extensions for Using PCE as a Central Controller (PCECC) of LSPs&quot;"/>
-              </a:rPr>
-              <a:t>-extension-for-</a:t>
-            </a:r>
-            <a:r>
-              <a:rPr lang="en-US" altLang="en-US" sz="2000" dirty="0" err="1">
-                <a:solidFill>
-                  <a:srgbClr val="000000"/>
-                </a:solidFill>
-                <a:hlinkClick r:id="rId2" tooltip="&quot;PCEP Procedures and Protocol Extensions for Using PCE as a Central Controller (PCECC) of LSPs&quot;"/>
-              </a:rPr>
-              <a:t>pce</a:t>
-            </a:r>
-            <a:r>
-              <a:rPr lang="en-US" altLang="en-US" sz="2000" dirty="0">
-                <a:solidFill>
-                  <a:srgbClr val="000000"/>
-                </a:solidFill>
-                <a:hlinkClick r:id="rId2" tooltip="&quot;PCEP Procedures and Protocol Extensions for Using PCE as a Central Controller (PCECC) of LSPs&quot;"/>
-              </a:rPr>
-              <a:t>-controller</a:t>
-            </a:r>
-            <a:r>
-              <a:rPr lang="en-US" altLang="en-US" sz="2000" dirty="0"/>
-              <a:t> </a:t>
+              </a:rPr>
+              <a:t>downloaded through extending PCEP.</a:t>
             </a:r>
             <a:r>
               <a:rPr lang="en-US" altLang="en-US" sz="2000" dirty="0" smtClean="0"/>
               <a:t> </a:t>
             </a:r>
-            <a:r>
-              <a:rPr lang="en-US" altLang="en-US" sz="2000" dirty="0">
+          </a:p>
+          <a:p>
+            <a:endParaRPr lang="en-US" altLang="en-US" sz="2000" dirty="0" smtClean="0"/>
+          </a:p>
+          <a:p>
+            <a:r>
+              <a:rPr lang="en-US" altLang="en-US" sz="2000" dirty="0" smtClean="0">
                 <a:solidFill>
                   <a:srgbClr val="000000"/>
                 </a:solidFill>
-              </a:rPr>
-              <a:t>specifies the procedures and PCEP protocol extensions for using the PCE as the central </a:t>
+                <a:hlinkClick r:id="rId2" tooltip="&quot;PCEP Procedures and Protocol Extensions for Using PCE as a Central Controller (PCECC) of LSPs&quot;"/>
+              </a:rPr>
+              <a:t>[I-</a:t>
+            </a:r>
+            <a:r>
+              <a:rPr lang="en-US" altLang="en-US" sz="2000" dirty="0" err="1" smtClean="0">
+                <a:solidFill>
+                  <a:srgbClr val="000000"/>
+                </a:solidFill>
+                <a:hlinkClick r:id="rId2" tooltip="&quot;PCEP Procedures and Protocol Extensions for Using PCE as a Central Controller (PCECC) of LSPs&quot;"/>
+              </a:rPr>
+              <a:t>D.zhao</a:t>
             </a:r>
             <a:r>
               <a:rPr lang="en-US" altLang="en-US" sz="2000" dirty="0" smtClean="0">
                 <a:solidFill>
                   <a:srgbClr val="000000"/>
                 </a:solidFill>
-              </a:rPr>
-              <a:t>controller, where label forwarding entries are downloaded through extending PCEP.</a:t>
-            </a:r>
-            <a:r>
-              <a:rPr lang="en-US" altLang="en-US" sz="2000" dirty="0" smtClean="0"/>
-              <a:t> </a:t>
-            </a:r>
-          </a:p>
-          <a:p>
-            <a:endParaRPr lang="en-US" altLang="en-US" sz="2000" dirty="0" smtClean="0"/>
-          </a:p>
-          <a:p>
+                <a:hlinkClick r:id="rId2" tooltip="&quot;PCEP Procedures and Protocol Extensions for Using PCE as a Central Controller (PCECC) of LSPs&quot;"/>
+              </a:rPr>
+              <a:t>-</a:t>
+            </a:r>
+            <a:r>
+              <a:rPr lang="en-US" altLang="en-US" sz="2000" dirty="0" err="1" smtClean="0">
+                <a:solidFill>
+                  <a:srgbClr val="000000"/>
+                </a:solidFill>
+                <a:hlinkClick r:id="rId2" tooltip="&quot;PCEP Procedures and Protocol Extensions for Using PCE as a Central Controller (PCECC) of LSPs&quot;"/>
+              </a:rPr>
+              <a:t>pce</a:t>
+            </a:r>
             <a:r>
               <a:rPr lang="en-US" altLang="en-US" sz="2000" dirty="0" smtClean="0">
                 <a:solidFill>
@@ -8990,7 +9028,7 @@
                 </a:solidFill>
                 <a:hlinkClick r:id="rId2" tooltip="&quot;PCEP Procedures and Protocol Extensions for Using PCE as a Central Controller (PCECC) of LSPs&quot;"/>
               </a:rPr>
-              <a:t>I-</a:t>
+              <a:t>-</a:t>
             </a:r>
             <a:r>
               <a:rPr lang="en-US" altLang="en-US" sz="2000" dirty="0" err="1" smtClean="0">
@@ -8999,7 +9037,7 @@
                 </a:solidFill>
                 <a:hlinkClick r:id="rId2" tooltip="&quot;PCEP Procedures and Protocol Extensions for Using PCE as a Central Controller (PCECC) of LSPs&quot;"/>
               </a:rPr>
-              <a:t>D.zhao</a:t>
+              <a:t>pcep</a:t>
             </a:r>
             <a:r>
               <a:rPr lang="en-US" altLang="en-US" sz="2000" dirty="0" smtClean="0">
@@ -9008,7 +9046,7 @@
                 </a:solidFill>
                 <a:hlinkClick r:id="rId2" tooltip="&quot;PCEP Procedures and Protocol Extensions for Using PCE as a Central Controller (PCECC) of LSPs&quot;"/>
               </a:rPr>
-              <a:t>-</a:t>
+              <a:t>-extension-for-</a:t>
             </a:r>
             <a:r>
               <a:rPr lang="en-US" altLang="en-US" sz="2000" dirty="0" err="1" smtClean="0">
@@ -9026,7 +9064,7 @@
                 </a:solidFill>
                 <a:hlinkClick r:id="rId2" tooltip="&quot;PCEP Procedures and Protocol Extensions for Using PCE as a Central Controller (PCECC) of LSPs&quot;"/>
               </a:rPr>
-              <a:t>-</a:t>
+              <a:t>-controller-</a:t>
             </a:r>
             <a:r>
               <a:rPr lang="en-US" altLang="en-US" sz="2000" dirty="0" err="1" smtClean="0">
@@ -9035,51 +9073,15 @@
                 </a:solidFill>
                 <a:hlinkClick r:id="rId2" tooltip="&quot;PCEP Procedures and Protocol Extensions for Using PCE as a Central Controller (PCECC) of LSPs&quot;"/>
               </a:rPr>
-              <a:t>pcep</a:t>
+              <a:t>sr</a:t>
             </a:r>
             <a:r>
               <a:rPr lang="en-US" altLang="en-US" sz="2000" dirty="0" smtClean="0">
                 <a:solidFill>
                   <a:srgbClr val="000000"/>
                 </a:solidFill>
-                <a:hlinkClick r:id="rId2" tooltip="&quot;PCEP Procedures and Protocol Extensions for Using PCE as a Central Controller (PCECC) of LSPs&quot;"/>
-              </a:rPr>
-              <a:t>-extension-for-</a:t>
-            </a:r>
-            <a:r>
-              <a:rPr lang="en-US" altLang="en-US" sz="2000" dirty="0" err="1" smtClean="0">
-                <a:solidFill>
-                  <a:srgbClr val="000000"/>
-                </a:solidFill>
-                <a:hlinkClick r:id="rId2" tooltip="&quot;PCEP Procedures and Protocol Extensions for Using PCE as a Central Controller (PCECC) of LSPs&quot;"/>
-              </a:rPr>
-              <a:t>pce</a:t>
-            </a:r>
-            <a:r>
-              <a:rPr lang="en-US" altLang="en-US" sz="2000" dirty="0" smtClean="0">
-                <a:solidFill>
-                  <a:srgbClr val="000000"/>
-                </a:solidFill>
-                <a:hlinkClick r:id="rId2" tooltip="&quot;PCEP Procedures and Protocol Extensions for Using PCE as a Central Controller (PCECC) of LSPs&quot;"/>
-              </a:rPr>
-              <a:t>-controller-</a:t>
-            </a:r>
-            <a:r>
-              <a:rPr lang="en-US" altLang="en-US" sz="2000" dirty="0" err="1" smtClean="0">
-                <a:solidFill>
-                  <a:srgbClr val="000000"/>
-                </a:solidFill>
-                <a:hlinkClick r:id="rId2" tooltip="&quot;PCEP Procedures and Protocol Extensions for Using PCE as a Central Controller (PCECC) of LSPs&quot;"/>
-              </a:rPr>
-              <a:t>sr</a:t>
-            </a:r>
-            <a:r>
-              <a:rPr lang="en-US" altLang="en-US" sz="2000" dirty="0" smtClean="0">
-                <a:solidFill>
-                  <a:srgbClr val="000000"/>
-                </a:solidFill>
-              </a:rPr>
-              <a:t> </a:t>
+              </a:rPr>
+              <a:t>] </a:t>
             </a:r>
             <a:r>
               <a:rPr lang="en-US" altLang="en-US" sz="2000" dirty="0" smtClean="0"/>
@@ -9121,7 +9123,39 @@
                   <a:srgbClr val="000000"/>
                 </a:solidFill>
               </a:rPr>
-              <a:t>This document specify the extension to support advertisement of the various ID space to the PCE to control.</a:t>
+              <a:t>This document specify the extension to support advertisement of the various ID </a:t>
+            </a:r>
+            <a:r>
+              <a:rPr lang="en-US" altLang="en-US" sz="2000" dirty="0" smtClean="0">
+                <a:solidFill>
+                  <a:srgbClr val="000000"/>
+                </a:solidFill>
+              </a:rPr>
+              <a:t>space (Label/ Path ID </a:t>
+            </a:r>
+            <a:r>
+              <a:rPr lang="en-US" altLang="en-US" sz="2000" dirty="0" err="1" smtClean="0">
+                <a:solidFill>
+                  <a:srgbClr val="000000"/>
+                </a:solidFill>
+              </a:rPr>
+              <a:t>etc</a:t>
+            </a:r>
+            <a:r>
+              <a:rPr lang="en-US" altLang="en-US" sz="2000" dirty="0" smtClean="0">
+                <a:solidFill>
+                  <a:srgbClr val="000000"/>
+                </a:solidFill>
+              </a:rPr>
+              <a:t>) </a:t>
+            </a:r>
+            <a:r>
+              <a:rPr lang="en-US" altLang="en-US" sz="2000" dirty="0">
+                <a:solidFill>
+                  <a:srgbClr val="000000"/>
+                </a:solidFill>
+              </a:rPr>
+              <a:t>to the PCE to control.</a:t>
             </a:r>
             <a:r>
               <a:rPr lang="en-US" altLang="en-US" sz="2000" dirty="0"/>
@@ -9230,8 +9264,8 @@
         </p:nvSpPr>
         <p:spPr>
           <a:xfrm>
-            <a:off x="492967" y="1423988"/>
-            <a:ext cx="6616493" cy="4351338"/>
+            <a:off x="492967" y="1423987"/>
+            <a:ext cx="6616493" cy="4957357"/>
           </a:xfrm>
         </p:spPr>
         <p:txBody>
@@ -9255,7 +9289,7 @@
                   <a:srgbClr val="000000"/>
                 </a:solidFill>
               </a:rPr>
-              <a:t>For delegating </a:t>
+              <a:t>For </a:t>
             </a:r>
             <a:r>
               <a:rPr lang="en-US" altLang="en-US" sz="2000" dirty="0" smtClean="0">
@@ -9263,7 +9297,7 @@
                   <a:srgbClr val="000000"/>
                 </a:solidFill>
               </a:rPr>
-              <a:t>ID </a:t>
+              <a:t>informing the PCE controlled ID </a:t>
             </a:r>
             <a:r>
               <a:rPr lang="en-US" altLang="en-US" sz="2000" dirty="0">
@@ -9467,7 +9501,42 @@
               <a:rPr lang="en-US" sz="1800" dirty="0" smtClean="0"/>
               <a:t>ID</a:t>
             </a:r>
-            <a:endParaRPr lang="en-US" sz="4800" dirty="0"/>
+          </a:p>
+          <a:p>
+            <a:pPr lvl="1">
+              <a:lnSpc>
+                <a:spcPct val="100000"/>
+              </a:lnSpc>
+              <a:spcBef>
+                <a:spcPts val="0"/>
+              </a:spcBef>
+              <a:defRPr/>
+            </a:pPr>
+            <a:endParaRPr lang="en-US" sz="1800" dirty="0" smtClean="0"/>
+          </a:p>
+          <a:p>
+            <a:pPr>
+              <a:lnSpc>
+                <a:spcPct val="100000"/>
+              </a:lnSpc>
+              <a:spcBef>
+                <a:spcPts val="0"/>
+              </a:spcBef>
+              <a:defRPr/>
+            </a:pPr>
+            <a:r>
+              <a:rPr lang="en-US" altLang="en-US" sz="2000" dirty="0" smtClean="0">
+                <a:solidFill>
+                  <a:srgbClr val="000000"/>
+                </a:solidFill>
+              </a:rPr>
+              <a:t>The PCE can then allocate ID from within the controlled ID space. </a:t>
+            </a:r>
+            <a:endParaRPr lang="en-US" sz="2000" dirty="0">
+              <a:solidFill>
+                <a:srgbClr val="000000"/>
+              </a:solidFill>
+            </a:endParaRPr>
           </a:p>
         </p:txBody>
       </p:sp>
@@ -9996,15 +10065,7 @@
                   <a:srgbClr val="C00000"/>
                 </a:solidFill>
               </a:rPr>
-              <a:t>SRv6</a:t>
-            </a:r>
-            <a:r>
-              <a:rPr lang="en-US" sz="4000" dirty="0" smtClean="0">
-                <a:solidFill>
-                  <a:srgbClr val="C00000"/>
-                </a:solidFill>
-              </a:rPr>
-              <a:t>-PATH-ID-CONTROL-SPACE TLV</a:t>
+              <a:t>SRv6-PATH-ID-CONTROL-SPACE TLV</a:t>
             </a:r>
             <a:endParaRPr lang="en-US" sz="4000" dirty="0">
               <a:solidFill>
@@ -10516,6 +10577,26 @@
               </a:rPr>
               <a:t>draft-li-pce-sr-path-segment-00</a:t>
             </a:r>
+            <a:br>
+              <a:rPr lang="en-US" sz="4000" dirty="0" smtClean="0">
+                <a:solidFill>
+                  <a:srgbClr val="C00000"/>
+                </a:solidFill>
+              </a:rPr>
+            </a:br>
+            <a:r>
+              <a:rPr lang="en-US" sz="4000" dirty="0" smtClean="0">
+                <a:solidFill>
+                  <a:srgbClr val="C00000"/>
+                </a:solidFill>
+              </a:rPr>
+              <a:t>PCEP Extension for Path Identification in SR</a:t>
+            </a:r>
+            <a:endParaRPr lang="en-US" sz="4000" dirty="0" smtClean="0">
+              <a:solidFill>
+                <a:srgbClr val="C00000"/>
+              </a:solidFill>
+            </a:endParaRPr>
           </a:p>
         </p:txBody>
       </p:sp>
@@ -10601,8 +10682,8 @@
         </p:nvSpPr>
         <p:spPr>
           <a:xfrm>
-            <a:off x="746760" y="1073785"/>
-            <a:ext cx="10520680" cy="4351338"/>
+            <a:off x="746760" y="1073784"/>
+            <a:ext cx="10520680" cy="5317287"/>
           </a:xfrm>
         </p:spPr>
         <p:txBody>
@@ -10612,79 +10693,87 @@
           <a:lstStyle/>
           <a:p>
             <a:r>
-              <a:rPr lang="en-US" sz="2400" dirty="0" smtClean="0"/>
+              <a:rPr lang="en-US" dirty="0" smtClean="0"/>
               <a:t>specifies </a:t>
             </a:r>
             <a:r>
-              <a:rPr lang="en-US" sz="2400" dirty="0"/>
+              <a:rPr lang="en-US" dirty="0"/>
               <a:t>a mechanism to carry the SR path identification information in </a:t>
             </a:r>
             <a:r>
-              <a:rPr lang="en-US" sz="2400" dirty="0" smtClean="0"/>
+              <a:rPr lang="en-US" dirty="0" smtClean="0"/>
               <a:t>PCEP</a:t>
             </a:r>
           </a:p>
           <a:p>
             <a:pPr lvl="1"/>
             <a:r>
-              <a:rPr lang="en-US" sz="1800" dirty="0" smtClean="0"/>
+              <a:rPr lang="en-US" sz="2000" dirty="0" smtClean="0"/>
               <a:t>The </a:t>
             </a:r>
             <a:r>
-              <a:rPr lang="en-US" sz="1800" dirty="0"/>
+              <a:rPr lang="en-US" sz="2000" dirty="0"/>
               <a:t>path ID can be allocated by Ingress PCC itself and informed to the PCE. The PCE can then inform the egress </a:t>
             </a:r>
             <a:r>
-              <a:rPr lang="en-US" sz="1800" dirty="0" smtClean="0"/>
+              <a:rPr lang="en-US" sz="2000" dirty="0" smtClean="0"/>
               <a:t>PCC.</a:t>
             </a:r>
           </a:p>
           <a:p>
             <a:pPr lvl="1"/>
-            <a:endParaRPr lang="en-US" sz="1800" dirty="0" smtClean="0"/>
+            <a:endParaRPr lang="en-US" sz="2000" dirty="0" smtClean="0"/>
           </a:p>
           <a:p>
             <a:pPr lvl="1"/>
             <a:r>
-              <a:rPr lang="en-US" sz="1800" dirty="0" smtClean="0"/>
+              <a:rPr lang="en-US" sz="2000" dirty="0" smtClean="0"/>
               <a:t>The </a:t>
             </a:r>
             <a:r>
-              <a:rPr lang="en-US" sz="1800" dirty="0"/>
+              <a:rPr lang="en-US" sz="2000" dirty="0"/>
               <a:t>PCC can also request PCE to allocate the path ID, in this case, the PCE would allocate and inform the assigned path ID to the ingress/egress PCC using PCEP </a:t>
             </a:r>
             <a:r>
-              <a:rPr lang="en-US" sz="1800" dirty="0" smtClean="0"/>
+              <a:rPr lang="en-US" sz="2000" dirty="0" smtClean="0"/>
               <a:t>messages.</a:t>
             </a:r>
           </a:p>
           <a:p>
             <a:pPr lvl="1"/>
-            <a:endParaRPr lang="en-US" sz="1800" dirty="0" smtClean="0"/>
+            <a:endParaRPr lang="en-US" sz="2000" dirty="0" smtClean="0"/>
           </a:p>
           <a:p>
             <a:pPr lvl="1"/>
             <a:r>
-              <a:rPr lang="en-US" sz="1800" dirty="0" smtClean="0"/>
-              <a:t>For </a:t>
-            </a:r>
-            <a:r>
-              <a:rPr lang="en-US" sz="1800" dirty="0"/>
-              <a:t>PCE can allocate a path ID on its own accord and inform the ingress/egress PCC , useful for PCE-initiated LSPs</a:t>
-            </a:r>
-            <a:r>
-              <a:rPr lang="en-US" sz="1800" dirty="0" smtClean="0"/>
+              <a:rPr lang="en-US" sz="2000" dirty="0" smtClean="0"/>
+              <a:t>Also, the PCE </a:t>
+            </a:r>
+            <a:r>
+              <a:rPr lang="en-US" sz="2000" dirty="0"/>
+              <a:t>can allocate a path ID on its own accord and inform the ingress/egress PCC </a:t>
+            </a:r>
+            <a:r>
+              <a:rPr lang="en-US" sz="2000" dirty="0" smtClean="0"/>
+              <a:t>in case of </a:t>
+            </a:r>
+            <a:r>
+              <a:rPr lang="en-US" sz="2000" dirty="0"/>
+              <a:t>PCE-initiated LSPs</a:t>
+            </a:r>
+            <a:r>
+              <a:rPr lang="en-US" sz="2000" dirty="0" smtClean="0"/>
               <a:t>.</a:t>
             </a:r>
           </a:p>
           <a:p>
             <a:pPr lvl="1"/>
-            <a:endParaRPr lang="en-US" sz="1800" dirty="0" smtClean="0"/>
+            <a:endParaRPr lang="en-US" sz="2000" dirty="0" smtClean="0"/>
           </a:p>
           <a:p>
             <a:pPr lvl="1"/>
             <a:r>
-              <a:rPr lang="en-US" sz="1800" dirty="0" smtClean="0">
+              <a:rPr lang="en-US" sz="2000" dirty="0" smtClean="0">
                 <a:solidFill>
                   <a:schemeClr val="tx1">
                     <a:lumMod val="65000"/>
@@ -10695,7 +10784,7 @@
               <a:t>(Next Version</a:t>
             </a:r>
             <a:r>
-              <a:rPr lang="en-US" sz="1800" dirty="0">
+              <a:rPr lang="en-US" sz="2000" dirty="0">
                 <a:solidFill>
                   <a:schemeClr val="tx1">
                     <a:lumMod val="65000"/>
@@ -10703,8 +10792,27 @@
                   </a:schemeClr>
                 </a:solidFill>
               </a:rPr>
-              <a:t>) The path ID can be allocated by Egress PCC. The PCE should request the Path ID from Egress PCC.</a:t>
-            </a:r>
+              <a:t>) The path ID can be allocated by Egress PCC. The PCE should request the </a:t>
+            </a:r>
+            <a:r>
+              <a:rPr lang="en-US" sz="2000" dirty="0" smtClean="0">
+                <a:solidFill>
+                  <a:schemeClr val="tx1">
+                    <a:lumMod val="65000"/>
+                    <a:lumOff val="35000"/>
+                  </a:schemeClr>
+                </a:solidFill>
+              </a:rPr>
+              <a:t>Egress PCC to allocate a Path ID and inform the PCE, which may further inform to the ingress PCC.</a:t>
+            </a:r>
+            <a:endParaRPr lang="en-US" sz="2000" dirty="0">
+              <a:solidFill>
+                <a:schemeClr val="tx1">
+                  <a:lumMod val="65000"/>
+                  <a:lumOff val="35000"/>
+                </a:schemeClr>
+              </a:solidFill>
+            </a:endParaRPr>
           </a:p>
           <a:p>
             <a:pPr lvl="1"/>
